--- a/Resources/템플릿.pptx
+++ b/Resources/템플릿.pptx
@@ -301,7 +301,7 @@
           <a:p>
             <a:fld id="{85DCAB9F-1875-4CAE-9FD9-15FA96533AAE}" type="datetimeFigureOut">
               <a:rPr lang="ko-KR" altLang="en-US" smtClean="0"/>
-              <a:t>2021-06-02</a:t>
+              <a:t>2021-06-03</a:t>
             </a:fld>
             <a:endParaRPr lang="ko-KR" altLang="en-US"/>
           </a:p>
@@ -499,7 +499,7 @@
           <a:p>
             <a:fld id="{85DCAB9F-1875-4CAE-9FD9-15FA96533AAE}" type="datetimeFigureOut">
               <a:rPr lang="ko-KR" altLang="en-US" smtClean="0"/>
-              <a:t>2021-06-02</a:t>
+              <a:t>2021-06-03</a:t>
             </a:fld>
             <a:endParaRPr lang="ko-KR" altLang="en-US"/>
           </a:p>
@@ -707,7 +707,7 @@
           <a:p>
             <a:fld id="{85DCAB9F-1875-4CAE-9FD9-15FA96533AAE}" type="datetimeFigureOut">
               <a:rPr lang="ko-KR" altLang="en-US" smtClean="0"/>
-              <a:t>2021-06-02</a:t>
+              <a:t>2021-06-03</a:t>
             </a:fld>
             <a:endParaRPr lang="ko-KR" altLang="en-US"/>
           </a:p>
@@ -905,7 +905,7 @@
           <a:p>
             <a:fld id="{85DCAB9F-1875-4CAE-9FD9-15FA96533AAE}" type="datetimeFigureOut">
               <a:rPr lang="ko-KR" altLang="en-US" smtClean="0"/>
-              <a:t>2021-06-02</a:t>
+              <a:t>2021-06-03</a:t>
             </a:fld>
             <a:endParaRPr lang="ko-KR" altLang="en-US"/>
           </a:p>
@@ -1180,7 +1180,7 @@
           <a:p>
             <a:fld id="{85DCAB9F-1875-4CAE-9FD9-15FA96533AAE}" type="datetimeFigureOut">
               <a:rPr lang="ko-KR" altLang="en-US" smtClean="0"/>
-              <a:t>2021-06-02</a:t>
+              <a:t>2021-06-03</a:t>
             </a:fld>
             <a:endParaRPr lang="ko-KR" altLang="en-US"/>
           </a:p>
@@ -1445,7 +1445,7 @@
           <a:p>
             <a:fld id="{85DCAB9F-1875-4CAE-9FD9-15FA96533AAE}" type="datetimeFigureOut">
               <a:rPr lang="ko-KR" altLang="en-US" smtClean="0"/>
-              <a:t>2021-06-02</a:t>
+              <a:t>2021-06-03</a:t>
             </a:fld>
             <a:endParaRPr lang="ko-KR" altLang="en-US"/>
           </a:p>
@@ -1857,7 +1857,7 @@
           <a:p>
             <a:fld id="{85DCAB9F-1875-4CAE-9FD9-15FA96533AAE}" type="datetimeFigureOut">
               <a:rPr lang="ko-KR" altLang="en-US" smtClean="0"/>
-              <a:t>2021-06-02</a:t>
+              <a:t>2021-06-03</a:t>
             </a:fld>
             <a:endParaRPr lang="ko-KR" altLang="en-US"/>
           </a:p>
@@ -1998,7 +1998,7 @@
           <a:p>
             <a:fld id="{85DCAB9F-1875-4CAE-9FD9-15FA96533AAE}" type="datetimeFigureOut">
               <a:rPr lang="ko-KR" altLang="en-US" smtClean="0"/>
-              <a:t>2021-06-02</a:t>
+              <a:t>2021-06-03</a:t>
             </a:fld>
             <a:endParaRPr lang="ko-KR" altLang="en-US"/>
           </a:p>
@@ -2111,7 +2111,7 @@
           <a:p>
             <a:fld id="{85DCAB9F-1875-4CAE-9FD9-15FA96533AAE}" type="datetimeFigureOut">
               <a:rPr lang="ko-KR" altLang="en-US" smtClean="0"/>
-              <a:t>2021-06-02</a:t>
+              <a:t>2021-06-03</a:t>
             </a:fld>
             <a:endParaRPr lang="ko-KR" altLang="en-US"/>
           </a:p>
@@ -2422,7 +2422,7 @@
           <a:p>
             <a:fld id="{85DCAB9F-1875-4CAE-9FD9-15FA96533AAE}" type="datetimeFigureOut">
               <a:rPr lang="ko-KR" altLang="en-US" smtClean="0"/>
-              <a:t>2021-06-02</a:t>
+              <a:t>2021-06-03</a:t>
             </a:fld>
             <a:endParaRPr lang="ko-KR" altLang="en-US"/>
           </a:p>
@@ -2710,7 +2710,7 @@
           <a:p>
             <a:fld id="{85DCAB9F-1875-4CAE-9FD9-15FA96533AAE}" type="datetimeFigureOut">
               <a:rPr lang="ko-KR" altLang="en-US" smtClean="0"/>
-              <a:t>2021-06-02</a:t>
+              <a:t>2021-06-03</a:t>
             </a:fld>
             <a:endParaRPr lang="ko-KR" altLang="en-US"/>
           </a:p>
@@ -2951,7 +2951,7 @@
           <a:p>
             <a:fld id="{85DCAB9F-1875-4CAE-9FD9-15FA96533AAE}" type="datetimeFigureOut">
               <a:rPr lang="ko-KR" altLang="en-US" smtClean="0"/>
-              <a:t>2021-06-02</a:t>
+              <a:t>2021-06-03</a:t>
             </a:fld>
             <a:endParaRPr lang="ko-KR" altLang="en-US"/>
           </a:p>
@@ -33459,6 +33459,246 @@
           </a:prstGeom>
         </p:spPr>
       </p:pic>
+      <p:sp>
+        <p:nvSpPr>
+          <p:cNvPr id="2" name="타원 1">
+            <a:extLst>
+              <a:ext uri="{FF2B5EF4-FFF2-40B4-BE49-F238E27FC236}">
+                <a16:creationId xmlns:a16="http://schemas.microsoft.com/office/drawing/2014/main" id="{67430A29-81C5-4A68-9885-E41CB1DBA25B}"/>
+              </a:ext>
+            </a:extLst>
+          </p:cNvPr>
+          <p:cNvSpPr/>
+          <p:nvPr/>
+        </p:nvSpPr>
+        <p:spPr>
+          <a:xfrm>
+            <a:off x="2957550" y="3998315"/>
+            <a:ext cx="90450" cy="90450"/>
+          </a:xfrm>
+          <a:prstGeom prst="ellipse">
+            <a:avLst/>
+          </a:prstGeom>
+          <a:solidFill>
+            <a:srgbClr val="FACE76"/>
+          </a:solidFill>
+          <a:ln w="19050">
+            <a:noFill/>
+          </a:ln>
+        </p:spPr>
+        <p:style>
+          <a:lnRef idx="2">
+            <a:schemeClr val="accent1">
+              <a:shade val="50000"/>
+            </a:schemeClr>
+          </a:lnRef>
+          <a:fillRef idx="1">
+            <a:schemeClr val="accent1"/>
+          </a:fillRef>
+          <a:effectRef idx="0">
+            <a:schemeClr val="accent1"/>
+          </a:effectRef>
+          <a:fontRef idx="minor">
+            <a:schemeClr val="lt1"/>
+          </a:fontRef>
+        </p:style>
+        <p:txBody>
+          <a:bodyPr rtlCol="0" anchor="ctr"/>
+          <a:lstStyle/>
+          <a:p>
+            <a:pPr algn="l"/>
+            <a:endParaRPr lang="ko-KR" altLang="en-US" dirty="0">
+              <a:solidFill>
+                <a:schemeClr val="bg1">
+                  <a:lumMod val="50000"/>
+                </a:schemeClr>
+              </a:solidFill>
+              <a:latin typeface="나눔스퀘어" panose="020B0600000101010101" pitchFamily="50" charset="-127"/>
+              <a:ea typeface="나눔스퀘어" panose="020B0600000101010101" pitchFamily="50" charset="-127"/>
+            </a:endParaRPr>
+          </a:p>
+        </p:txBody>
+      </p:sp>
+      <p:sp>
+        <p:nvSpPr>
+          <p:cNvPr id="33" name="타원 32">
+            <a:extLst>
+              <a:ext uri="{FF2B5EF4-FFF2-40B4-BE49-F238E27FC236}">
+                <a16:creationId xmlns:a16="http://schemas.microsoft.com/office/drawing/2014/main" id="{2140BCEF-E282-4E77-BEFE-EF9804EA7F9F}"/>
+              </a:ext>
+            </a:extLst>
+          </p:cNvPr>
+          <p:cNvSpPr/>
+          <p:nvPr/>
+        </p:nvSpPr>
+        <p:spPr>
+          <a:xfrm>
+            <a:off x="3265525" y="3998315"/>
+            <a:ext cx="90450" cy="90450"/>
+          </a:xfrm>
+          <a:prstGeom prst="ellipse">
+            <a:avLst/>
+          </a:prstGeom>
+          <a:solidFill>
+            <a:srgbClr val="F0B1C2"/>
+          </a:solidFill>
+          <a:ln w="19050">
+            <a:noFill/>
+          </a:ln>
+        </p:spPr>
+        <p:style>
+          <a:lnRef idx="2">
+            <a:schemeClr val="accent1">
+              <a:shade val="50000"/>
+            </a:schemeClr>
+          </a:lnRef>
+          <a:fillRef idx="1">
+            <a:schemeClr val="accent1"/>
+          </a:fillRef>
+          <a:effectRef idx="0">
+            <a:schemeClr val="accent1"/>
+          </a:effectRef>
+          <a:fontRef idx="minor">
+            <a:schemeClr val="lt1"/>
+          </a:fontRef>
+        </p:style>
+        <p:txBody>
+          <a:bodyPr rtlCol="0" anchor="ctr"/>
+          <a:lstStyle/>
+          <a:p>
+            <a:pPr algn="l"/>
+            <a:endParaRPr lang="ko-KR" altLang="en-US" dirty="0">
+              <a:solidFill>
+                <a:schemeClr val="bg1">
+                  <a:lumMod val="50000"/>
+                </a:schemeClr>
+              </a:solidFill>
+              <a:latin typeface="나눔스퀘어" panose="020B0600000101010101" pitchFamily="50" charset="-127"/>
+              <a:ea typeface="나눔스퀘어" panose="020B0600000101010101" pitchFamily="50" charset="-127"/>
+            </a:endParaRPr>
+          </a:p>
+        </p:txBody>
+      </p:sp>
+      <p:sp>
+        <p:nvSpPr>
+          <p:cNvPr id="34" name="타원 33">
+            <a:extLst>
+              <a:ext uri="{FF2B5EF4-FFF2-40B4-BE49-F238E27FC236}">
+                <a16:creationId xmlns:a16="http://schemas.microsoft.com/office/drawing/2014/main" id="{56BFF043-664F-4D61-8BE8-050C0B75652E}"/>
+              </a:ext>
+            </a:extLst>
+          </p:cNvPr>
+          <p:cNvSpPr/>
+          <p:nvPr/>
+        </p:nvSpPr>
+        <p:spPr>
+          <a:xfrm>
+            <a:off x="3573500" y="3998315"/>
+            <a:ext cx="90450" cy="90450"/>
+          </a:xfrm>
+          <a:prstGeom prst="ellipse">
+            <a:avLst/>
+          </a:prstGeom>
+          <a:solidFill>
+            <a:srgbClr val="82C3CE"/>
+          </a:solidFill>
+          <a:ln w="19050">
+            <a:noFill/>
+          </a:ln>
+        </p:spPr>
+        <p:style>
+          <a:lnRef idx="2">
+            <a:schemeClr val="accent1">
+              <a:shade val="50000"/>
+            </a:schemeClr>
+          </a:lnRef>
+          <a:fillRef idx="1">
+            <a:schemeClr val="accent1"/>
+          </a:fillRef>
+          <a:effectRef idx="0">
+            <a:schemeClr val="accent1"/>
+          </a:effectRef>
+          <a:fontRef idx="minor">
+            <a:schemeClr val="lt1"/>
+          </a:fontRef>
+        </p:style>
+        <p:txBody>
+          <a:bodyPr rtlCol="0" anchor="ctr"/>
+          <a:lstStyle/>
+          <a:p>
+            <a:pPr algn="l"/>
+            <a:endParaRPr lang="ko-KR" altLang="en-US" dirty="0">
+              <a:solidFill>
+                <a:schemeClr val="bg1">
+                  <a:lumMod val="50000"/>
+                </a:schemeClr>
+              </a:solidFill>
+              <a:latin typeface="나눔스퀘어" panose="020B0600000101010101" pitchFamily="50" charset="-127"/>
+              <a:ea typeface="나눔스퀘어" panose="020B0600000101010101" pitchFamily="50" charset="-127"/>
+            </a:endParaRPr>
+          </a:p>
+        </p:txBody>
+      </p:sp>
+      <p:sp>
+        <p:nvSpPr>
+          <p:cNvPr id="35" name="타원 34">
+            <a:extLst>
+              <a:ext uri="{FF2B5EF4-FFF2-40B4-BE49-F238E27FC236}">
+                <a16:creationId xmlns:a16="http://schemas.microsoft.com/office/drawing/2014/main" id="{60B36B6C-EAA2-4DFD-88F2-D1219D8FFD48}"/>
+              </a:ext>
+            </a:extLst>
+          </p:cNvPr>
+          <p:cNvSpPr/>
+          <p:nvPr/>
+        </p:nvSpPr>
+        <p:spPr>
+          <a:xfrm>
+            <a:off x="3881475" y="3998315"/>
+            <a:ext cx="90450" cy="90450"/>
+          </a:xfrm>
+          <a:prstGeom prst="ellipse">
+            <a:avLst/>
+          </a:prstGeom>
+          <a:solidFill>
+            <a:srgbClr val="A0C29E"/>
+          </a:solidFill>
+          <a:ln w="19050">
+            <a:noFill/>
+          </a:ln>
+        </p:spPr>
+        <p:style>
+          <a:lnRef idx="2">
+            <a:schemeClr val="accent1">
+              <a:shade val="50000"/>
+            </a:schemeClr>
+          </a:lnRef>
+          <a:fillRef idx="1">
+            <a:schemeClr val="accent1"/>
+          </a:fillRef>
+          <a:effectRef idx="0">
+            <a:schemeClr val="accent1"/>
+          </a:effectRef>
+          <a:fontRef idx="minor">
+            <a:schemeClr val="lt1"/>
+          </a:fontRef>
+        </p:style>
+        <p:txBody>
+          <a:bodyPr rtlCol="0" anchor="ctr"/>
+          <a:lstStyle/>
+          <a:p>
+            <a:pPr algn="l"/>
+            <a:endParaRPr lang="ko-KR" altLang="en-US" dirty="0">
+              <a:solidFill>
+                <a:schemeClr val="bg1">
+                  <a:lumMod val="50000"/>
+                </a:schemeClr>
+              </a:solidFill>
+              <a:latin typeface="나눔스퀘어" panose="020B0600000101010101" pitchFamily="50" charset="-127"/>
+              <a:ea typeface="나눔스퀘어" panose="020B0600000101010101" pitchFamily="50" charset="-127"/>
+            </a:endParaRPr>
+          </a:p>
+        </p:txBody>
+      </p:sp>
     </p:spTree>
     <p:extLst>
       <p:ext uri="{BB962C8B-B14F-4D97-AF65-F5344CB8AC3E}">
